--- a/Statistics/Lesson 6  Descriptive Statistics.pptx
+++ b/Statistics/Lesson 6  Descriptive Statistics.pptx
@@ -5,7 +5,7 @@
     <p:sldMasterId id="2147483648" r:id="rId1"/>
   </p:sldMasterIdLst>
   <p:notesMasterIdLst>
-    <p:notesMasterId r:id="rId51"/>
+    <p:notesMasterId r:id="rId49"/>
   </p:notesMasterIdLst>
   <p:sldIdLst>
     <p:sldId id="256" r:id="rId2"/>
@@ -55,8 +55,6 @@
     <p:sldId id="302" r:id="rId46"/>
     <p:sldId id="303" r:id="rId47"/>
     <p:sldId id="304" r:id="rId48"/>
-    <p:sldId id="305" r:id="rId49"/>
-    <p:sldId id="258" r:id="rId50"/>
   </p:sldIdLst>
   <p:sldSz cx="12192000" cy="6858000"/>
   <p:notesSz cx="6858000" cy="9144000"/>
@@ -4123,7 +4121,7 @@
           <a:p>
             <a:fld id="{E7B92D0E-056D-4705-803D-495E9DDD65DE}" type="datetimeFigureOut">
               <a:rPr lang="en-IN" smtClean="0"/>
-              <a:t>09-12-2018</a:t>
+              <a:t>31-12-2018</a:t>
             </a:fld>
             <a:endParaRPr lang="en-IN"/>
           </a:p>
@@ -4522,7 +4520,7 @@
           <a:p>
             <a:fld id="{1E08F897-3390-4AEC-9AA9-864E5CDBA177}" type="datetimeFigureOut">
               <a:rPr lang="en-IN" smtClean="0"/>
-              <a:t>09-12-2018</a:t>
+              <a:t>31-12-2018</a:t>
             </a:fld>
             <a:endParaRPr lang="en-IN"/>
           </a:p>
@@ -4692,7 +4690,7 @@
           <a:p>
             <a:fld id="{1E08F897-3390-4AEC-9AA9-864E5CDBA177}" type="datetimeFigureOut">
               <a:rPr lang="en-IN" smtClean="0"/>
-              <a:t>09-12-2018</a:t>
+              <a:t>31-12-2018</a:t>
             </a:fld>
             <a:endParaRPr lang="en-IN"/>
           </a:p>
@@ -4872,7 +4870,7 @@
           <a:p>
             <a:fld id="{1E08F897-3390-4AEC-9AA9-864E5CDBA177}" type="datetimeFigureOut">
               <a:rPr lang="en-IN" smtClean="0"/>
-              <a:t>09-12-2018</a:t>
+              <a:t>31-12-2018</a:t>
             </a:fld>
             <a:endParaRPr lang="en-IN"/>
           </a:p>
@@ -5042,7 +5040,7 @@
           <a:p>
             <a:fld id="{1E08F897-3390-4AEC-9AA9-864E5CDBA177}" type="datetimeFigureOut">
               <a:rPr lang="en-IN" smtClean="0"/>
-              <a:t>09-12-2018</a:t>
+              <a:t>31-12-2018</a:t>
             </a:fld>
             <a:endParaRPr lang="en-IN"/>
           </a:p>
@@ -5288,7 +5286,7 @@
           <a:p>
             <a:fld id="{1E08F897-3390-4AEC-9AA9-864E5CDBA177}" type="datetimeFigureOut">
               <a:rPr lang="en-IN" smtClean="0"/>
-              <a:t>09-12-2018</a:t>
+              <a:t>31-12-2018</a:t>
             </a:fld>
             <a:endParaRPr lang="en-IN"/>
           </a:p>
@@ -5520,7 +5518,7 @@
           <a:p>
             <a:fld id="{1E08F897-3390-4AEC-9AA9-864E5CDBA177}" type="datetimeFigureOut">
               <a:rPr lang="en-IN" smtClean="0"/>
-              <a:t>09-12-2018</a:t>
+              <a:t>31-12-2018</a:t>
             </a:fld>
             <a:endParaRPr lang="en-IN"/>
           </a:p>
@@ -5887,7 +5885,7 @@
           <a:p>
             <a:fld id="{1E08F897-3390-4AEC-9AA9-864E5CDBA177}" type="datetimeFigureOut">
               <a:rPr lang="en-IN" smtClean="0"/>
-              <a:t>09-12-2018</a:t>
+              <a:t>31-12-2018</a:t>
             </a:fld>
             <a:endParaRPr lang="en-IN"/>
           </a:p>
@@ -6005,7 +6003,7 @@
           <a:p>
             <a:fld id="{1E08F897-3390-4AEC-9AA9-864E5CDBA177}" type="datetimeFigureOut">
               <a:rPr lang="en-IN" smtClean="0"/>
-              <a:t>09-12-2018</a:t>
+              <a:t>31-12-2018</a:t>
             </a:fld>
             <a:endParaRPr lang="en-IN"/>
           </a:p>
@@ -6100,7 +6098,7 @@
           <a:p>
             <a:fld id="{1E08F897-3390-4AEC-9AA9-864E5CDBA177}" type="datetimeFigureOut">
               <a:rPr lang="en-IN" smtClean="0"/>
-              <a:t>09-12-2018</a:t>
+              <a:t>31-12-2018</a:t>
             </a:fld>
             <a:endParaRPr lang="en-IN"/>
           </a:p>
@@ -6377,7 +6375,7 @@
           <a:p>
             <a:fld id="{1E08F897-3390-4AEC-9AA9-864E5CDBA177}" type="datetimeFigureOut">
               <a:rPr lang="en-IN" smtClean="0"/>
-              <a:t>09-12-2018</a:t>
+              <a:t>31-12-2018</a:t>
             </a:fld>
             <a:endParaRPr lang="en-IN"/>
           </a:p>
@@ -6630,7 +6628,7 @@
           <a:p>
             <a:fld id="{1E08F897-3390-4AEC-9AA9-864E5CDBA177}" type="datetimeFigureOut">
               <a:rPr lang="en-IN" smtClean="0"/>
-              <a:t>09-12-2018</a:t>
+              <a:t>31-12-2018</a:t>
             </a:fld>
             <a:endParaRPr lang="en-IN"/>
           </a:p>
@@ -6843,7 +6841,7 @@
           <a:p>
             <a:fld id="{1E08F897-3390-4AEC-9AA9-864E5CDBA177}" type="datetimeFigureOut">
               <a:rPr lang="en-IN" smtClean="0"/>
-              <a:t>09-12-2018</a:t>
+              <a:t>31-12-2018</a:t>
             </a:fld>
             <a:endParaRPr lang="en-IN"/>
           </a:p>
@@ -14426,7 +14424,7 @@
             </a:r>
           </a:p>
           <a:p>
-            <a:endParaRPr lang="en-IN" dirty="0">
+            <a:endParaRPr lang="en-IN" dirty="0" smtClean="0">
               <a:effectLst/>
             </a:endParaRPr>
           </a:p>
@@ -14494,7 +14492,7 @@
               <a:rPr lang="en-IN" dirty="0" smtClean="0">
                 <a:effectLst/>
               </a:rPr>
-              <a:t> 2; 5, 0.3) = 0.8369 </a:t>
+              <a:t> 2; 5, 0.3) = 0.8369 `</a:t>
             </a:r>
           </a:p>
           <a:p>
@@ -17192,7 +17190,15 @@
             </a:r>
             <a:r>
               <a:rPr lang="en-IN" dirty="0"/>
-              <a:t>is a high school basketball player. He is a 70% free throw shooter. That means his probability of making a free throw is 0.70. During the season, what is the probability that Bob makes his third free throw on his fifth shot? </a:t>
+              <a:t>is a high school basketball player. He is a 70% free throw shooter. That means his probability of making a free throw is 0.70. During the season, what is the probability that </a:t>
+            </a:r>
+            <a:r>
+              <a:rPr lang="en-IN" dirty="0" smtClean="0"/>
+              <a:t>Avi </a:t>
+            </a:r>
+            <a:r>
+              <a:rPr lang="en-IN" dirty="0"/>
+              <a:t>makes his third free throw on his fifth shot? </a:t>
             </a:r>
             <a:endParaRPr lang="en-IN" dirty="0" smtClean="0"/>
           </a:p>
@@ -17584,7 +17590,15 @@
           <a:p>
             <a:r>
               <a:rPr lang="en-IN" dirty="0"/>
-              <a:t>What is the probability that Bob makes his first free throw on his fifth shot?</a:t>
+              <a:t>What is the probability that </a:t>
+            </a:r>
+            <a:r>
+              <a:rPr lang="en-IN" dirty="0" smtClean="0"/>
+              <a:t>Avi </a:t>
+            </a:r>
+            <a:r>
+              <a:rPr lang="en-IN" dirty="0"/>
+              <a:t>makes his first free throw on his fifth shot?</a:t>
             </a:r>
             <a:endParaRPr lang="en-US" dirty="0"/>
           </a:p>
@@ -20578,526 +20592,6 @@
     <p:extLst>
       <p:ext uri="{BB962C8B-B14F-4D97-AF65-F5344CB8AC3E}">
         <p14:creationId xmlns:p14="http://schemas.microsoft.com/office/powerpoint/2010/main" val="1096291787"/>
-      </p:ext>
-    </p:extLst>
-  </p:cSld>
-  <p:clrMapOvr>
-    <a:masterClrMapping/>
-  </p:clrMapOvr>
-  <p:timing>
-    <p:tnLst>
-      <p:par>
-        <p:cTn id="1" dur="indefinite" restart="never" nodeType="tmRoot"/>
-      </p:par>
-    </p:tnLst>
-  </p:timing>
-</p:sld>
-</file>
-
-<file path=ppt/slides/slide48.xml><?xml version="1.0" encoding="utf-8"?>
-<p:sld xmlns:a="http://schemas.openxmlformats.org/drawingml/2006/main" xmlns:r="http://schemas.openxmlformats.org/officeDocument/2006/relationships" xmlns:p="http://schemas.openxmlformats.org/presentationml/2006/main">
-  <p:cSld>
-    <p:spTree>
-      <p:nvGrpSpPr>
-        <p:cNvPr id="1" name=""/>
-        <p:cNvGrpSpPr/>
-        <p:nvPr/>
-      </p:nvGrpSpPr>
-      <p:grpSpPr>
-        <a:xfrm>
-          <a:off x="0" y="0"/>
-          <a:ext cx="0" cy="0"/>
-          <a:chOff x="0" y="0"/>
-          <a:chExt cx="0" cy="0"/>
-        </a:xfrm>
-      </p:grpSpPr>
-      <p:sp>
-        <p:nvSpPr>
-          <p:cNvPr id="5" name="Title 1"/>
-          <p:cNvSpPr>
-            <a:spLocks noGrp="1"/>
-          </p:cNvSpPr>
-          <p:nvPr>
-            <p:ph type="ctrTitle"/>
-          </p:nvPr>
-        </p:nvSpPr>
-        <p:spPr>
-          <a:xfrm>
-            <a:off x="802783" y="270455"/>
-            <a:ext cx="9144000" cy="711548"/>
-          </a:xfrm>
-        </p:spPr>
-        <p:txBody>
-          <a:bodyPr>
-            <a:normAutofit/>
-          </a:bodyPr>
-          <a:lstStyle/>
-          <a:p>
-            <a:pPr algn="l"/>
-            <a:r>
-              <a:rPr lang="en-US" sz="4000" dirty="0" smtClean="0"/>
-              <a:t>Probability and Distributions</a:t>
-            </a:r>
-            <a:endParaRPr lang="en-IN" sz="4000" dirty="0"/>
-          </a:p>
-        </p:txBody>
-      </p:sp>
-      <p:cxnSp>
-        <p:nvCxnSpPr>
-          <p:cNvPr id="7" name="Straight Connector 6"/>
-          <p:cNvCxnSpPr/>
-          <p:nvPr/>
-        </p:nvCxnSpPr>
-        <p:spPr>
-          <a:xfrm>
-            <a:off x="914400" y="956255"/>
-            <a:ext cx="10045521" cy="0"/>
-          </a:xfrm>
-          <a:prstGeom prst="line">
-            <a:avLst/>
-          </a:prstGeom>
-          <a:ln>
-            <a:solidFill>
-              <a:schemeClr val="bg1">
-                <a:lumMod val="75000"/>
-              </a:schemeClr>
-            </a:solidFill>
-          </a:ln>
-        </p:spPr>
-        <p:style>
-          <a:lnRef idx="1">
-            <a:schemeClr val="dk1"/>
-          </a:lnRef>
-          <a:fillRef idx="0">
-            <a:schemeClr val="dk1"/>
-          </a:fillRef>
-          <a:effectRef idx="0">
-            <a:schemeClr val="dk1"/>
-          </a:effectRef>
-          <a:fontRef idx="minor">
-            <a:schemeClr val="tx1"/>
-          </a:fontRef>
-        </p:style>
-      </p:cxnSp>
-      <p:sp>
-        <p:nvSpPr>
-          <p:cNvPr id="4" name="TextBox 3"/>
-          <p:cNvSpPr txBox="1"/>
-          <p:nvPr/>
-        </p:nvSpPr>
-        <p:spPr>
-          <a:xfrm>
-            <a:off x="802783" y="1146855"/>
-            <a:ext cx="10157137" cy="461665"/>
-          </a:xfrm>
-          <a:prstGeom prst="rect">
-            <a:avLst/>
-          </a:prstGeom>
-          <a:noFill/>
-        </p:spPr>
-        <p:txBody>
-          <a:bodyPr wrap="square" rtlCol="0">
-            <a:spAutoFit/>
-          </a:bodyPr>
-          <a:lstStyle/>
-          <a:p>
-            <a:r>
-              <a:rPr lang="en-US" sz="2400" b="1" dirty="0" smtClean="0"/>
-              <a:t>Central Limit Theorem</a:t>
-            </a:r>
-            <a:endParaRPr lang="en-US" b="1" dirty="0" smtClean="0"/>
-          </a:p>
-        </p:txBody>
-      </p:sp>
-      <p:sp>
-        <p:nvSpPr>
-          <p:cNvPr id="6" name="TextBox 5"/>
-          <p:cNvSpPr txBox="1"/>
-          <p:nvPr/>
-        </p:nvSpPr>
-        <p:spPr>
-          <a:xfrm>
-            <a:off x="802783" y="1667803"/>
-            <a:ext cx="10324563" cy="369332"/>
-          </a:xfrm>
-          <a:prstGeom prst="rect">
-            <a:avLst/>
-          </a:prstGeom>
-          <a:noFill/>
-        </p:spPr>
-        <p:txBody>
-          <a:bodyPr wrap="square" rtlCol="0">
-            <a:spAutoFit/>
-          </a:bodyPr>
-          <a:lstStyle/>
-          <a:p>
-            <a:endParaRPr lang="en-US" dirty="0"/>
-          </a:p>
-        </p:txBody>
-      </p:sp>
-    </p:spTree>
-    <p:extLst>
-      <p:ext uri="{BB962C8B-B14F-4D97-AF65-F5344CB8AC3E}">
-        <p14:creationId xmlns:p14="http://schemas.microsoft.com/office/powerpoint/2010/main" val="1313258759"/>
-      </p:ext>
-    </p:extLst>
-  </p:cSld>
-  <p:clrMapOvr>
-    <a:masterClrMapping/>
-  </p:clrMapOvr>
-  <p:timing>
-    <p:tnLst>
-      <p:par>
-        <p:cTn id="1" dur="indefinite" restart="never" nodeType="tmRoot"/>
-      </p:par>
-    </p:tnLst>
-  </p:timing>
-</p:sld>
-</file>
-
-<file path=ppt/slides/slide49.xml><?xml version="1.0" encoding="utf-8"?>
-<p:sld xmlns:a="http://schemas.openxmlformats.org/drawingml/2006/main" xmlns:r="http://schemas.openxmlformats.org/officeDocument/2006/relationships" xmlns:p="http://schemas.openxmlformats.org/presentationml/2006/main">
-  <p:cSld>
-    <p:spTree>
-      <p:nvGrpSpPr>
-        <p:cNvPr id="1" name=""/>
-        <p:cNvGrpSpPr/>
-        <p:nvPr/>
-      </p:nvGrpSpPr>
-      <p:grpSpPr>
-        <a:xfrm>
-          <a:off x="0" y="0"/>
-          <a:ext cx="0" cy="0"/>
-          <a:chOff x="0" y="0"/>
-          <a:chExt cx="0" cy="0"/>
-        </a:xfrm>
-      </p:grpSpPr>
-      <p:sp>
-        <p:nvSpPr>
-          <p:cNvPr id="5" name="Title 1"/>
-          <p:cNvSpPr>
-            <a:spLocks noGrp="1"/>
-          </p:cNvSpPr>
-          <p:nvPr>
-            <p:ph type="ctrTitle"/>
-          </p:nvPr>
-        </p:nvSpPr>
-        <p:spPr>
-          <a:xfrm>
-            <a:off x="802783" y="3271384"/>
-            <a:ext cx="9144000" cy="1497019"/>
-          </a:xfrm>
-        </p:spPr>
-        <p:txBody>
-          <a:bodyPr/>
-          <a:lstStyle/>
-          <a:p>
-            <a:pPr algn="l"/>
-            <a:r>
-              <a:rPr lang="en-US" dirty="0" smtClean="0"/>
-              <a:t>Lesson 3</a:t>
-            </a:r>
-            <a:endParaRPr lang="en-IN" dirty="0"/>
-          </a:p>
-        </p:txBody>
-      </p:sp>
-      <p:sp>
-        <p:nvSpPr>
-          <p:cNvPr id="6" name="Subtitle 2"/>
-          <p:cNvSpPr>
-            <a:spLocks noGrp="1"/>
-          </p:cNvSpPr>
-          <p:nvPr>
-            <p:ph type="subTitle" idx="1"/>
-          </p:nvPr>
-        </p:nvSpPr>
-        <p:spPr>
-          <a:xfrm>
-            <a:off x="802783" y="4910222"/>
-            <a:ext cx="3783072" cy="550270"/>
-          </a:xfrm>
-        </p:spPr>
-        <p:txBody>
-          <a:bodyPr/>
-          <a:lstStyle/>
-          <a:p>
-            <a:pPr algn="l"/>
-            <a:r>
-              <a:rPr lang="en-US" dirty="0" smtClean="0">
-                <a:solidFill>
-                  <a:schemeClr val="tx1">
-                    <a:lumMod val="50000"/>
-                    <a:lumOff val="50000"/>
-                  </a:schemeClr>
-                </a:solidFill>
-                <a:latin typeface="+mj-lt"/>
-              </a:rPr>
-              <a:t>Basics of Statistics</a:t>
-            </a:r>
-            <a:endParaRPr lang="en-IN" dirty="0">
-              <a:solidFill>
-                <a:schemeClr val="tx1">
-                  <a:lumMod val="50000"/>
-                  <a:lumOff val="50000"/>
-                </a:schemeClr>
-              </a:solidFill>
-              <a:latin typeface="+mj-lt"/>
-            </a:endParaRPr>
-          </a:p>
-        </p:txBody>
-      </p:sp>
-      <p:cxnSp>
-        <p:nvCxnSpPr>
-          <p:cNvPr id="7" name="Straight Connector 6"/>
-          <p:cNvCxnSpPr/>
-          <p:nvPr/>
-        </p:nvCxnSpPr>
-        <p:spPr>
-          <a:xfrm>
-            <a:off x="914400" y="4768403"/>
-            <a:ext cx="10045521" cy="0"/>
-          </a:xfrm>
-          <a:prstGeom prst="line">
-            <a:avLst/>
-          </a:prstGeom>
-          <a:ln>
-            <a:solidFill>
-              <a:schemeClr val="bg1">
-                <a:lumMod val="75000"/>
-              </a:schemeClr>
-            </a:solidFill>
-          </a:ln>
-        </p:spPr>
-        <p:style>
-          <a:lnRef idx="1">
-            <a:schemeClr val="dk1"/>
-          </a:lnRef>
-          <a:fillRef idx="0">
-            <a:schemeClr val="dk1"/>
-          </a:fillRef>
-          <a:effectRef idx="0">
-            <a:schemeClr val="dk1"/>
-          </a:effectRef>
-          <a:fontRef idx="minor">
-            <a:schemeClr val="tx1"/>
-          </a:fontRef>
-        </p:style>
-      </p:cxnSp>
-      <p:sp>
-        <p:nvSpPr>
-          <p:cNvPr id="8" name="Subtitle 2"/>
-          <p:cNvSpPr txBox="1">
-            <a:spLocks/>
-          </p:cNvSpPr>
-          <p:nvPr/>
-        </p:nvSpPr>
-        <p:spPr>
-          <a:xfrm>
-            <a:off x="7259976" y="4910222"/>
-            <a:ext cx="3783072" cy="550270"/>
-          </a:xfrm>
-          <a:prstGeom prst="rect">
-            <a:avLst/>
-          </a:prstGeom>
-        </p:spPr>
-        <p:txBody>
-          <a:bodyPr vert="horz" lIns="91440" tIns="45720" rIns="91440" bIns="45720" rtlCol="0">
-            <a:normAutofit/>
-          </a:bodyPr>
-          <a:lstStyle>
-            <a:lvl1pPr marL="0" indent="0" algn="ctr" defTabSz="914400" rtl="0" eaLnBrk="1" latinLnBrk="0" hangingPunct="1">
-              <a:lnSpc>
-                <a:spcPct val="90000"/>
-              </a:lnSpc>
-              <a:spcBef>
-                <a:spcPts val="1000"/>
-              </a:spcBef>
-              <a:buFont typeface="Arial" panose="020B0604020202020204" pitchFamily="34" charset="0"/>
-              <a:buNone/>
-              <a:defRPr sz="2400" kern="1200">
-                <a:solidFill>
-                  <a:schemeClr val="tx1"/>
-                </a:solidFill>
-                <a:latin typeface="+mn-lt"/>
-                <a:ea typeface="+mn-ea"/>
-                <a:cs typeface="+mn-cs"/>
-              </a:defRPr>
-            </a:lvl1pPr>
-            <a:lvl2pPr marL="457200" indent="0" algn="ctr" defTabSz="914400" rtl="0" eaLnBrk="1" latinLnBrk="0" hangingPunct="1">
-              <a:lnSpc>
-                <a:spcPct val="90000"/>
-              </a:lnSpc>
-              <a:spcBef>
-                <a:spcPts val="500"/>
-              </a:spcBef>
-              <a:buFont typeface="Arial" panose="020B0604020202020204" pitchFamily="34" charset="0"/>
-              <a:buNone/>
-              <a:defRPr sz="2000" kern="1200">
-                <a:solidFill>
-                  <a:schemeClr val="tx1"/>
-                </a:solidFill>
-                <a:latin typeface="+mn-lt"/>
-                <a:ea typeface="+mn-ea"/>
-                <a:cs typeface="+mn-cs"/>
-              </a:defRPr>
-            </a:lvl2pPr>
-            <a:lvl3pPr marL="914400" indent="0" algn="ctr" defTabSz="914400" rtl="0" eaLnBrk="1" latinLnBrk="0" hangingPunct="1">
-              <a:lnSpc>
-                <a:spcPct val="90000"/>
-              </a:lnSpc>
-              <a:spcBef>
-                <a:spcPts val="500"/>
-              </a:spcBef>
-              <a:buFont typeface="Arial" panose="020B0604020202020204" pitchFamily="34" charset="0"/>
-              <a:buNone/>
-              <a:defRPr sz="1800" kern="1200">
-                <a:solidFill>
-                  <a:schemeClr val="tx1"/>
-                </a:solidFill>
-                <a:latin typeface="+mn-lt"/>
-                <a:ea typeface="+mn-ea"/>
-                <a:cs typeface="+mn-cs"/>
-              </a:defRPr>
-            </a:lvl3pPr>
-            <a:lvl4pPr marL="1371600" indent="0" algn="ctr" defTabSz="914400" rtl="0" eaLnBrk="1" latinLnBrk="0" hangingPunct="1">
-              <a:lnSpc>
-                <a:spcPct val="90000"/>
-              </a:lnSpc>
-              <a:spcBef>
-                <a:spcPts val="500"/>
-              </a:spcBef>
-              <a:buFont typeface="Arial" panose="020B0604020202020204" pitchFamily="34" charset="0"/>
-              <a:buNone/>
-              <a:defRPr sz="1600" kern="1200">
-                <a:solidFill>
-                  <a:schemeClr val="tx1"/>
-                </a:solidFill>
-                <a:latin typeface="+mn-lt"/>
-                <a:ea typeface="+mn-ea"/>
-                <a:cs typeface="+mn-cs"/>
-              </a:defRPr>
-            </a:lvl4pPr>
-            <a:lvl5pPr marL="1828800" indent="0" algn="ctr" defTabSz="914400" rtl="0" eaLnBrk="1" latinLnBrk="0" hangingPunct="1">
-              <a:lnSpc>
-                <a:spcPct val="90000"/>
-              </a:lnSpc>
-              <a:spcBef>
-                <a:spcPts val="500"/>
-              </a:spcBef>
-              <a:buFont typeface="Arial" panose="020B0604020202020204" pitchFamily="34" charset="0"/>
-              <a:buNone/>
-              <a:defRPr sz="1600" kern="1200">
-                <a:solidFill>
-                  <a:schemeClr val="tx1"/>
-                </a:solidFill>
-                <a:latin typeface="+mn-lt"/>
-                <a:ea typeface="+mn-ea"/>
-                <a:cs typeface="+mn-cs"/>
-              </a:defRPr>
-            </a:lvl5pPr>
-            <a:lvl6pPr marL="2286000" indent="0" algn="ctr" defTabSz="914400" rtl="0" eaLnBrk="1" latinLnBrk="0" hangingPunct="1">
-              <a:lnSpc>
-                <a:spcPct val="90000"/>
-              </a:lnSpc>
-              <a:spcBef>
-                <a:spcPts val="500"/>
-              </a:spcBef>
-              <a:buFont typeface="Arial" panose="020B0604020202020204" pitchFamily="34" charset="0"/>
-              <a:buNone/>
-              <a:defRPr sz="1600" kern="1200">
-                <a:solidFill>
-                  <a:schemeClr val="tx1"/>
-                </a:solidFill>
-                <a:latin typeface="+mn-lt"/>
-                <a:ea typeface="+mn-ea"/>
-                <a:cs typeface="+mn-cs"/>
-              </a:defRPr>
-            </a:lvl6pPr>
-            <a:lvl7pPr marL="2743200" indent="0" algn="ctr" defTabSz="914400" rtl="0" eaLnBrk="1" latinLnBrk="0" hangingPunct="1">
-              <a:lnSpc>
-                <a:spcPct val="90000"/>
-              </a:lnSpc>
-              <a:spcBef>
-                <a:spcPts val="500"/>
-              </a:spcBef>
-              <a:buFont typeface="Arial" panose="020B0604020202020204" pitchFamily="34" charset="0"/>
-              <a:buNone/>
-              <a:defRPr sz="1600" kern="1200">
-                <a:solidFill>
-                  <a:schemeClr val="tx1"/>
-                </a:solidFill>
-                <a:latin typeface="+mn-lt"/>
-                <a:ea typeface="+mn-ea"/>
-                <a:cs typeface="+mn-cs"/>
-              </a:defRPr>
-            </a:lvl7pPr>
-            <a:lvl8pPr marL="3200400" indent="0" algn="ctr" defTabSz="914400" rtl="0" eaLnBrk="1" latinLnBrk="0" hangingPunct="1">
-              <a:lnSpc>
-                <a:spcPct val="90000"/>
-              </a:lnSpc>
-              <a:spcBef>
-                <a:spcPts val="500"/>
-              </a:spcBef>
-              <a:buFont typeface="Arial" panose="020B0604020202020204" pitchFamily="34" charset="0"/>
-              <a:buNone/>
-              <a:defRPr sz="1600" kern="1200">
-                <a:solidFill>
-                  <a:schemeClr val="tx1"/>
-                </a:solidFill>
-                <a:latin typeface="+mn-lt"/>
-                <a:ea typeface="+mn-ea"/>
-                <a:cs typeface="+mn-cs"/>
-              </a:defRPr>
-            </a:lvl8pPr>
-            <a:lvl9pPr marL="3657600" indent="0" algn="ctr" defTabSz="914400" rtl="0" eaLnBrk="1" latinLnBrk="0" hangingPunct="1">
-              <a:lnSpc>
-                <a:spcPct val="90000"/>
-              </a:lnSpc>
-              <a:spcBef>
-                <a:spcPts val="500"/>
-              </a:spcBef>
-              <a:buFont typeface="Arial" panose="020B0604020202020204" pitchFamily="34" charset="0"/>
-              <a:buNone/>
-              <a:defRPr sz="1600" kern="1200">
-                <a:solidFill>
-                  <a:schemeClr val="tx1"/>
-                </a:solidFill>
-                <a:latin typeface="+mn-lt"/>
-                <a:ea typeface="+mn-ea"/>
-                <a:cs typeface="+mn-cs"/>
-              </a:defRPr>
-            </a:lvl9pPr>
-          </a:lstStyle>
-          <a:p>
-            <a:pPr algn="r"/>
-            <a:r>
-              <a:rPr lang="en-US" b="1" dirty="0" smtClean="0">
-                <a:solidFill>
-                  <a:schemeClr val="tx1">
-                    <a:lumMod val="50000"/>
-                    <a:lumOff val="50000"/>
-                  </a:schemeClr>
-                </a:solidFill>
-                <a:latin typeface="+mj-lt"/>
-              </a:rPr>
-              <a:t>Kush Kulshrestha</a:t>
-            </a:r>
-            <a:endParaRPr lang="en-IN" b="1" dirty="0">
-              <a:solidFill>
-                <a:schemeClr val="tx1">
-                  <a:lumMod val="50000"/>
-                  <a:lumOff val="50000"/>
-                </a:schemeClr>
-              </a:solidFill>
-              <a:latin typeface="+mj-lt"/>
-            </a:endParaRPr>
-          </a:p>
-        </p:txBody>
-      </p:sp>
-    </p:spTree>
-    <p:extLst>
-      <p:ext uri="{BB962C8B-B14F-4D97-AF65-F5344CB8AC3E}">
-        <p14:creationId xmlns:p14="http://schemas.microsoft.com/office/powerpoint/2010/main" val="3933919630"/>
       </p:ext>
     </p:extLst>
   </p:cSld>
